--- a/ppt 16-9/1464.知道向你欢呼.pptx
+++ b/ppt 16-9/1464.知道向你欢呼.pptx
@@ -129,7 +129,7 @@
           <p:cNvPr id="2" name="标题 1">
             <a:extLst>
               <a:ext uri="{FF2B5EF4-FFF2-40B4-BE49-F238E27FC236}">
-                <a16:creationId xmlns:a16="http://schemas.microsoft.com/office/drawing/2014/main" id="{E9AED926-F17B-5A9E-D24D-E198A170B8A8}"/>
+                <a16:creationId xmlns:a16="http://schemas.microsoft.com/office/drawing/2014/main" id="{1AA3D8AC-9289-65DD-C1C4-9C7852012F58}"/>
               </a:ext>
             </a:extLst>
           </p:cNvPr>
@@ -166,7 +166,7 @@
           <p:cNvPr id="3" name="副标题 2">
             <a:extLst>
               <a:ext uri="{FF2B5EF4-FFF2-40B4-BE49-F238E27FC236}">
-                <a16:creationId xmlns:a16="http://schemas.microsoft.com/office/drawing/2014/main" id="{7B0D376A-72F4-6D49-E055-77FBD704CE3A}"/>
+                <a16:creationId xmlns:a16="http://schemas.microsoft.com/office/drawing/2014/main" id="{8F8700D2-055E-3DC2-DA27-0787C2B8E4B5}"/>
               </a:ext>
             </a:extLst>
           </p:cNvPr>
@@ -236,7 +236,7 @@
           <p:cNvPr id="4" name="日期占位符 3">
             <a:extLst>
               <a:ext uri="{FF2B5EF4-FFF2-40B4-BE49-F238E27FC236}">
-                <a16:creationId xmlns:a16="http://schemas.microsoft.com/office/drawing/2014/main" id="{E19B6BFB-2215-4994-790D-86A4A2B9B60E}"/>
+                <a16:creationId xmlns:a16="http://schemas.microsoft.com/office/drawing/2014/main" id="{9BAE695F-2873-4D8C-F69F-ED310087BAC4}"/>
               </a:ext>
             </a:extLst>
           </p:cNvPr>
@@ -252,7 +252,7 @@
           <a:bodyPr/>
           <a:lstStyle/>
           <a:p>
-            <a:fld id="{0763E292-17F2-4A4F-B8A7-1007077D10F5}" type="datetimeFigureOut">
+            <a:fld id="{9BA23A50-534A-400C-BF72-1B71BF5FA7D9}" type="datetimeFigureOut">
               <a:rPr lang="zh-CN" altLang="en-US" smtClean="0"/>
               <a:t>2024/3/10</a:t>
             </a:fld>
@@ -265,7 +265,7 @@
           <p:cNvPr id="5" name="页脚占位符 4">
             <a:extLst>
               <a:ext uri="{FF2B5EF4-FFF2-40B4-BE49-F238E27FC236}">
-                <a16:creationId xmlns:a16="http://schemas.microsoft.com/office/drawing/2014/main" id="{01E6F98F-7545-D828-4293-0B949DF0D8CD}"/>
+                <a16:creationId xmlns:a16="http://schemas.microsoft.com/office/drawing/2014/main" id="{A97064C9-BD48-FBA9-3D77-019F371E31F5}"/>
               </a:ext>
             </a:extLst>
           </p:cNvPr>
@@ -290,7 +290,7 @@
           <p:cNvPr id="6" name="灯片编号占位符 5">
             <a:extLst>
               <a:ext uri="{FF2B5EF4-FFF2-40B4-BE49-F238E27FC236}">
-                <a16:creationId xmlns:a16="http://schemas.microsoft.com/office/drawing/2014/main" id="{BA81BC07-5CC7-257A-4B20-9FCB9E4FDC2D}"/>
+                <a16:creationId xmlns:a16="http://schemas.microsoft.com/office/drawing/2014/main" id="{C6949FFE-ADB7-1806-4285-7DB23D0E427D}"/>
               </a:ext>
             </a:extLst>
           </p:cNvPr>
@@ -306,7 +306,7 @@
           <a:bodyPr/>
           <a:lstStyle/>
           <a:p>
-            <a:fld id="{D965F210-F0CA-400C-B111-B8808955248E}" type="slidenum">
+            <a:fld id="{5FACD08A-7731-4F86-9835-52203554D672}" type="slidenum">
               <a:rPr lang="zh-CN" altLang="en-US" smtClean="0"/>
               <a:t>‹#›</a:t>
             </a:fld>
@@ -317,7 +317,7 @@
     </p:spTree>
     <p:extLst>
       <p:ext uri="{BB962C8B-B14F-4D97-AF65-F5344CB8AC3E}">
-        <p14:creationId xmlns:p14="http://schemas.microsoft.com/office/powerpoint/2010/main" val="3418952764"/>
+        <p14:creationId xmlns:p14="http://schemas.microsoft.com/office/powerpoint/2010/main" val="573229231"/>
       </p:ext>
     </p:extLst>
   </p:cSld>
@@ -349,7 +349,7 @@
           <p:cNvPr id="2" name="标题 1">
             <a:extLst>
               <a:ext uri="{FF2B5EF4-FFF2-40B4-BE49-F238E27FC236}">
-                <a16:creationId xmlns:a16="http://schemas.microsoft.com/office/drawing/2014/main" id="{B5A070CC-706B-D850-4D94-5485D3D6C39E}"/>
+                <a16:creationId xmlns:a16="http://schemas.microsoft.com/office/drawing/2014/main" id="{1054ADDF-C459-153E-C909-D7E7A6A8C3C6}"/>
               </a:ext>
             </a:extLst>
           </p:cNvPr>
@@ -377,7 +377,7 @@
           <p:cNvPr id="3" name="竖排文字占位符 2">
             <a:extLst>
               <a:ext uri="{FF2B5EF4-FFF2-40B4-BE49-F238E27FC236}">
-                <a16:creationId xmlns:a16="http://schemas.microsoft.com/office/drawing/2014/main" id="{9C526337-313F-49D5-9844-224C2A26CD13}"/>
+                <a16:creationId xmlns:a16="http://schemas.microsoft.com/office/drawing/2014/main" id="{9A61E2D9-3BED-96A7-B67F-6F26D6954617}"/>
               </a:ext>
             </a:extLst>
           </p:cNvPr>
@@ -434,7 +434,7 @@
           <p:cNvPr id="4" name="日期占位符 3">
             <a:extLst>
               <a:ext uri="{FF2B5EF4-FFF2-40B4-BE49-F238E27FC236}">
-                <a16:creationId xmlns:a16="http://schemas.microsoft.com/office/drawing/2014/main" id="{8850AEAD-6915-3A7E-F0C9-26E80D817357}"/>
+                <a16:creationId xmlns:a16="http://schemas.microsoft.com/office/drawing/2014/main" id="{27C849C3-AEE0-7A5B-2C68-9F55B85C67B4}"/>
               </a:ext>
             </a:extLst>
           </p:cNvPr>
@@ -450,7 +450,7 @@
           <a:bodyPr/>
           <a:lstStyle/>
           <a:p>
-            <a:fld id="{0763E292-17F2-4A4F-B8A7-1007077D10F5}" type="datetimeFigureOut">
+            <a:fld id="{9BA23A50-534A-400C-BF72-1B71BF5FA7D9}" type="datetimeFigureOut">
               <a:rPr lang="zh-CN" altLang="en-US" smtClean="0"/>
               <a:t>2024/3/10</a:t>
             </a:fld>
@@ -463,7 +463,7 @@
           <p:cNvPr id="5" name="页脚占位符 4">
             <a:extLst>
               <a:ext uri="{FF2B5EF4-FFF2-40B4-BE49-F238E27FC236}">
-                <a16:creationId xmlns:a16="http://schemas.microsoft.com/office/drawing/2014/main" id="{EB74E8E8-698A-4AC4-32C1-F8EA8E4ED1D5}"/>
+                <a16:creationId xmlns:a16="http://schemas.microsoft.com/office/drawing/2014/main" id="{B2CFBEF4-FCCB-DE0E-E4D1-3CC12870E05A}"/>
               </a:ext>
             </a:extLst>
           </p:cNvPr>
@@ -488,7 +488,7 @@
           <p:cNvPr id="6" name="灯片编号占位符 5">
             <a:extLst>
               <a:ext uri="{FF2B5EF4-FFF2-40B4-BE49-F238E27FC236}">
-                <a16:creationId xmlns:a16="http://schemas.microsoft.com/office/drawing/2014/main" id="{53C49EE3-9B0B-D6DC-64BF-A5D2CF23B4C4}"/>
+                <a16:creationId xmlns:a16="http://schemas.microsoft.com/office/drawing/2014/main" id="{2C69B8AF-AF59-97AF-2BD4-E1303C7B19B3}"/>
               </a:ext>
             </a:extLst>
           </p:cNvPr>
@@ -504,7 +504,7 @@
           <a:bodyPr/>
           <a:lstStyle/>
           <a:p>
-            <a:fld id="{D965F210-F0CA-400C-B111-B8808955248E}" type="slidenum">
+            <a:fld id="{5FACD08A-7731-4F86-9835-52203554D672}" type="slidenum">
               <a:rPr lang="zh-CN" altLang="en-US" smtClean="0"/>
               <a:t>‹#›</a:t>
             </a:fld>
@@ -515,7 +515,7 @@
     </p:spTree>
     <p:extLst>
       <p:ext uri="{BB962C8B-B14F-4D97-AF65-F5344CB8AC3E}">
-        <p14:creationId xmlns:p14="http://schemas.microsoft.com/office/powerpoint/2010/main" val="3962053939"/>
+        <p14:creationId xmlns:p14="http://schemas.microsoft.com/office/powerpoint/2010/main" val="2840859501"/>
       </p:ext>
     </p:extLst>
   </p:cSld>
@@ -547,7 +547,7 @@
           <p:cNvPr id="2" name="竖排标题 1">
             <a:extLst>
               <a:ext uri="{FF2B5EF4-FFF2-40B4-BE49-F238E27FC236}">
-                <a16:creationId xmlns:a16="http://schemas.microsoft.com/office/drawing/2014/main" id="{78808EA8-38F2-E0D3-945E-7715D7E4C6F2}"/>
+                <a16:creationId xmlns:a16="http://schemas.microsoft.com/office/drawing/2014/main" id="{98A6E90E-33E0-6112-2827-F771EF64E955}"/>
               </a:ext>
             </a:extLst>
           </p:cNvPr>
@@ -580,7 +580,7 @@
           <p:cNvPr id="3" name="竖排文字占位符 2">
             <a:extLst>
               <a:ext uri="{FF2B5EF4-FFF2-40B4-BE49-F238E27FC236}">
-                <a16:creationId xmlns:a16="http://schemas.microsoft.com/office/drawing/2014/main" id="{9823CCB1-2C93-92A4-7984-41524B85B4C2}"/>
+                <a16:creationId xmlns:a16="http://schemas.microsoft.com/office/drawing/2014/main" id="{62AF6E11-C04A-0FCE-24BF-AE9F84C1C35D}"/>
               </a:ext>
             </a:extLst>
           </p:cNvPr>
@@ -642,7 +642,7 @@
           <p:cNvPr id="4" name="日期占位符 3">
             <a:extLst>
               <a:ext uri="{FF2B5EF4-FFF2-40B4-BE49-F238E27FC236}">
-                <a16:creationId xmlns:a16="http://schemas.microsoft.com/office/drawing/2014/main" id="{7ABE1714-C3DC-9DD9-6040-3AC4302E58E9}"/>
+                <a16:creationId xmlns:a16="http://schemas.microsoft.com/office/drawing/2014/main" id="{5D2AB480-107E-047B-FC5D-E8663ED80231}"/>
               </a:ext>
             </a:extLst>
           </p:cNvPr>
@@ -658,7 +658,7 @@
           <a:bodyPr/>
           <a:lstStyle/>
           <a:p>
-            <a:fld id="{0763E292-17F2-4A4F-B8A7-1007077D10F5}" type="datetimeFigureOut">
+            <a:fld id="{9BA23A50-534A-400C-BF72-1B71BF5FA7D9}" type="datetimeFigureOut">
               <a:rPr lang="zh-CN" altLang="en-US" smtClean="0"/>
               <a:t>2024/3/10</a:t>
             </a:fld>
@@ -671,7 +671,7 @@
           <p:cNvPr id="5" name="页脚占位符 4">
             <a:extLst>
               <a:ext uri="{FF2B5EF4-FFF2-40B4-BE49-F238E27FC236}">
-                <a16:creationId xmlns:a16="http://schemas.microsoft.com/office/drawing/2014/main" id="{7E268728-74BE-5EEE-D240-32C8D71E941B}"/>
+                <a16:creationId xmlns:a16="http://schemas.microsoft.com/office/drawing/2014/main" id="{A0B50EAB-C74D-20EE-306C-4D1DEE9280EC}"/>
               </a:ext>
             </a:extLst>
           </p:cNvPr>
@@ -696,7 +696,7 @@
           <p:cNvPr id="6" name="灯片编号占位符 5">
             <a:extLst>
               <a:ext uri="{FF2B5EF4-FFF2-40B4-BE49-F238E27FC236}">
-                <a16:creationId xmlns:a16="http://schemas.microsoft.com/office/drawing/2014/main" id="{570186C4-678B-2D69-2705-1E6DD84D137C}"/>
+                <a16:creationId xmlns:a16="http://schemas.microsoft.com/office/drawing/2014/main" id="{58B2F748-1723-6E1C-3E0A-0A9B05262913}"/>
               </a:ext>
             </a:extLst>
           </p:cNvPr>
@@ -712,7 +712,7 @@
           <a:bodyPr/>
           <a:lstStyle/>
           <a:p>
-            <a:fld id="{D965F210-F0CA-400C-B111-B8808955248E}" type="slidenum">
+            <a:fld id="{5FACD08A-7731-4F86-9835-52203554D672}" type="slidenum">
               <a:rPr lang="zh-CN" altLang="en-US" smtClean="0"/>
               <a:t>‹#›</a:t>
             </a:fld>
@@ -723,7 +723,7 @@
     </p:spTree>
     <p:extLst>
       <p:ext uri="{BB962C8B-B14F-4D97-AF65-F5344CB8AC3E}">
-        <p14:creationId xmlns:p14="http://schemas.microsoft.com/office/powerpoint/2010/main" val="2270253561"/>
+        <p14:creationId xmlns:p14="http://schemas.microsoft.com/office/powerpoint/2010/main" val="2200107568"/>
       </p:ext>
     </p:extLst>
   </p:cSld>
@@ -755,7 +755,7 @@
           <p:cNvPr id="2" name="标题 1">
             <a:extLst>
               <a:ext uri="{FF2B5EF4-FFF2-40B4-BE49-F238E27FC236}">
-                <a16:creationId xmlns:a16="http://schemas.microsoft.com/office/drawing/2014/main" id="{D537A91B-137A-B372-8460-6AC9B422FEDF}"/>
+                <a16:creationId xmlns:a16="http://schemas.microsoft.com/office/drawing/2014/main" id="{E69D427B-93F5-3733-4700-1D09BA52B45E}"/>
               </a:ext>
             </a:extLst>
           </p:cNvPr>
@@ -783,7 +783,7 @@
           <p:cNvPr id="3" name="内容占位符 2">
             <a:extLst>
               <a:ext uri="{FF2B5EF4-FFF2-40B4-BE49-F238E27FC236}">
-                <a16:creationId xmlns:a16="http://schemas.microsoft.com/office/drawing/2014/main" id="{BB1495D7-081F-9443-BD59-D76152B93625}"/>
+                <a16:creationId xmlns:a16="http://schemas.microsoft.com/office/drawing/2014/main" id="{E233BAEF-F2C5-AC6C-4199-5528F2E46765}"/>
               </a:ext>
             </a:extLst>
           </p:cNvPr>
@@ -840,7 +840,7 @@
           <p:cNvPr id="4" name="日期占位符 3">
             <a:extLst>
               <a:ext uri="{FF2B5EF4-FFF2-40B4-BE49-F238E27FC236}">
-                <a16:creationId xmlns:a16="http://schemas.microsoft.com/office/drawing/2014/main" id="{6B407DBB-444B-55AB-A907-8E3B9AD97756}"/>
+                <a16:creationId xmlns:a16="http://schemas.microsoft.com/office/drawing/2014/main" id="{C17ACDD8-9450-5FEE-3A6B-24C3ED1F4D88}"/>
               </a:ext>
             </a:extLst>
           </p:cNvPr>
@@ -856,7 +856,7 @@
           <a:bodyPr/>
           <a:lstStyle/>
           <a:p>
-            <a:fld id="{0763E292-17F2-4A4F-B8A7-1007077D10F5}" type="datetimeFigureOut">
+            <a:fld id="{9BA23A50-534A-400C-BF72-1B71BF5FA7D9}" type="datetimeFigureOut">
               <a:rPr lang="zh-CN" altLang="en-US" smtClean="0"/>
               <a:t>2024/3/10</a:t>
             </a:fld>
@@ -869,7 +869,7 @@
           <p:cNvPr id="5" name="页脚占位符 4">
             <a:extLst>
               <a:ext uri="{FF2B5EF4-FFF2-40B4-BE49-F238E27FC236}">
-                <a16:creationId xmlns:a16="http://schemas.microsoft.com/office/drawing/2014/main" id="{41679CCE-8A72-523C-8858-AAE91E03493B}"/>
+                <a16:creationId xmlns:a16="http://schemas.microsoft.com/office/drawing/2014/main" id="{DD488B24-8BFC-CB83-F51F-B87E61883117}"/>
               </a:ext>
             </a:extLst>
           </p:cNvPr>
@@ -894,7 +894,7 @@
           <p:cNvPr id="6" name="灯片编号占位符 5">
             <a:extLst>
               <a:ext uri="{FF2B5EF4-FFF2-40B4-BE49-F238E27FC236}">
-                <a16:creationId xmlns:a16="http://schemas.microsoft.com/office/drawing/2014/main" id="{A5B0B353-82A7-BC09-72DF-A69078C8F854}"/>
+                <a16:creationId xmlns:a16="http://schemas.microsoft.com/office/drawing/2014/main" id="{A65AFF72-2A71-1A0D-7505-EB7CBA24C1AF}"/>
               </a:ext>
             </a:extLst>
           </p:cNvPr>
@@ -910,7 +910,7 @@
           <a:bodyPr/>
           <a:lstStyle/>
           <a:p>
-            <a:fld id="{D965F210-F0CA-400C-B111-B8808955248E}" type="slidenum">
+            <a:fld id="{5FACD08A-7731-4F86-9835-52203554D672}" type="slidenum">
               <a:rPr lang="zh-CN" altLang="en-US" smtClean="0"/>
               <a:t>‹#›</a:t>
             </a:fld>
@@ -921,7 +921,7 @@
     </p:spTree>
     <p:extLst>
       <p:ext uri="{BB962C8B-B14F-4D97-AF65-F5344CB8AC3E}">
-        <p14:creationId xmlns:p14="http://schemas.microsoft.com/office/powerpoint/2010/main" val="1992019409"/>
+        <p14:creationId xmlns:p14="http://schemas.microsoft.com/office/powerpoint/2010/main" val="78791213"/>
       </p:ext>
     </p:extLst>
   </p:cSld>
@@ -953,7 +953,7 @@
           <p:cNvPr id="2" name="标题 1">
             <a:extLst>
               <a:ext uri="{FF2B5EF4-FFF2-40B4-BE49-F238E27FC236}">
-                <a16:creationId xmlns:a16="http://schemas.microsoft.com/office/drawing/2014/main" id="{643C8562-7766-E33E-E83E-13C9BB84A448}"/>
+                <a16:creationId xmlns:a16="http://schemas.microsoft.com/office/drawing/2014/main" id="{EC4C8AE1-035D-0596-8C19-B6C84A636862}"/>
               </a:ext>
             </a:extLst>
           </p:cNvPr>
@@ -990,7 +990,7 @@
           <p:cNvPr id="3" name="文本占位符 2">
             <a:extLst>
               <a:ext uri="{FF2B5EF4-FFF2-40B4-BE49-F238E27FC236}">
-                <a16:creationId xmlns:a16="http://schemas.microsoft.com/office/drawing/2014/main" id="{68222AA6-F7EA-30EB-F105-ABA26B403599}"/>
+                <a16:creationId xmlns:a16="http://schemas.microsoft.com/office/drawing/2014/main" id="{9138751E-41F4-DF72-5148-DB27DD31B561}"/>
               </a:ext>
             </a:extLst>
           </p:cNvPr>
@@ -1115,7 +1115,7 @@
           <p:cNvPr id="4" name="日期占位符 3">
             <a:extLst>
               <a:ext uri="{FF2B5EF4-FFF2-40B4-BE49-F238E27FC236}">
-                <a16:creationId xmlns:a16="http://schemas.microsoft.com/office/drawing/2014/main" id="{4AEB596E-8D0C-3979-765C-537884DD26FB}"/>
+                <a16:creationId xmlns:a16="http://schemas.microsoft.com/office/drawing/2014/main" id="{90394B6A-AED5-31D4-0240-C54F7829832A}"/>
               </a:ext>
             </a:extLst>
           </p:cNvPr>
@@ -1131,7 +1131,7 @@
           <a:bodyPr/>
           <a:lstStyle/>
           <a:p>
-            <a:fld id="{0763E292-17F2-4A4F-B8A7-1007077D10F5}" type="datetimeFigureOut">
+            <a:fld id="{9BA23A50-534A-400C-BF72-1B71BF5FA7D9}" type="datetimeFigureOut">
               <a:rPr lang="zh-CN" altLang="en-US" smtClean="0"/>
               <a:t>2024/3/10</a:t>
             </a:fld>
@@ -1144,7 +1144,7 @@
           <p:cNvPr id="5" name="页脚占位符 4">
             <a:extLst>
               <a:ext uri="{FF2B5EF4-FFF2-40B4-BE49-F238E27FC236}">
-                <a16:creationId xmlns:a16="http://schemas.microsoft.com/office/drawing/2014/main" id="{46F3E959-DEAC-72A1-DD7D-FA95E746526C}"/>
+                <a16:creationId xmlns:a16="http://schemas.microsoft.com/office/drawing/2014/main" id="{06063EA7-A82B-82B2-2A27-26B95D97AAF3}"/>
               </a:ext>
             </a:extLst>
           </p:cNvPr>
@@ -1169,7 +1169,7 @@
           <p:cNvPr id="6" name="灯片编号占位符 5">
             <a:extLst>
               <a:ext uri="{FF2B5EF4-FFF2-40B4-BE49-F238E27FC236}">
-                <a16:creationId xmlns:a16="http://schemas.microsoft.com/office/drawing/2014/main" id="{8DAD825A-152F-CDE6-5178-A5C89031D1E2}"/>
+                <a16:creationId xmlns:a16="http://schemas.microsoft.com/office/drawing/2014/main" id="{EFCC6E4A-E30E-5D41-9FD0-D33DA6866E5F}"/>
               </a:ext>
             </a:extLst>
           </p:cNvPr>
@@ -1185,7 +1185,7 @@
           <a:bodyPr/>
           <a:lstStyle/>
           <a:p>
-            <a:fld id="{D965F210-F0CA-400C-B111-B8808955248E}" type="slidenum">
+            <a:fld id="{5FACD08A-7731-4F86-9835-52203554D672}" type="slidenum">
               <a:rPr lang="zh-CN" altLang="en-US" smtClean="0"/>
               <a:t>‹#›</a:t>
             </a:fld>
@@ -1196,7 +1196,7 @@
     </p:spTree>
     <p:extLst>
       <p:ext uri="{BB962C8B-B14F-4D97-AF65-F5344CB8AC3E}">
-        <p14:creationId xmlns:p14="http://schemas.microsoft.com/office/powerpoint/2010/main" val="3039253949"/>
+        <p14:creationId xmlns:p14="http://schemas.microsoft.com/office/powerpoint/2010/main" val="1363915819"/>
       </p:ext>
     </p:extLst>
   </p:cSld>
@@ -1228,7 +1228,7 @@
           <p:cNvPr id="2" name="标题 1">
             <a:extLst>
               <a:ext uri="{FF2B5EF4-FFF2-40B4-BE49-F238E27FC236}">
-                <a16:creationId xmlns:a16="http://schemas.microsoft.com/office/drawing/2014/main" id="{DD050D1C-92D5-FA32-8AF4-3B9A32C55D83}"/>
+                <a16:creationId xmlns:a16="http://schemas.microsoft.com/office/drawing/2014/main" id="{07D4EB0F-1127-3A66-E61D-CAA89089D67B}"/>
               </a:ext>
             </a:extLst>
           </p:cNvPr>
@@ -1256,7 +1256,7 @@
           <p:cNvPr id="3" name="内容占位符 2">
             <a:extLst>
               <a:ext uri="{FF2B5EF4-FFF2-40B4-BE49-F238E27FC236}">
-                <a16:creationId xmlns:a16="http://schemas.microsoft.com/office/drawing/2014/main" id="{CADAAF2B-EBC6-D5BF-71D7-FEDB1014A729}"/>
+                <a16:creationId xmlns:a16="http://schemas.microsoft.com/office/drawing/2014/main" id="{DDF26026-506C-5988-74FE-BB2F1230EB5C}"/>
               </a:ext>
             </a:extLst>
           </p:cNvPr>
@@ -1318,7 +1318,7 @@
           <p:cNvPr id="4" name="内容占位符 3">
             <a:extLst>
               <a:ext uri="{FF2B5EF4-FFF2-40B4-BE49-F238E27FC236}">
-                <a16:creationId xmlns:a16="http://schemas.microsoft.com/office/drawing/2014/main" id="{9E1CE887-29A2-E239-E7F6-3D865338318F}"/>
+                <a16:creationId xmlns:a16="http://schemas.microsoft.com/office/drawing/2014/main" id="{05690191-EDC0-128F-4DF4-65430572B5FD}"/>
               </a:ext>
             </a:extLst>
           </p:cNvPr>
@@ -1380,7 +1380,7 @@
           <p:cNvPr id="5" name="日期占位符 4">
             <a:extLst>
               <a:ext uri="{FF2B5EF4-FFF2-40B4-BE49-F238E27FC236}">
-                <a16:creationId xmlns:a16="http://schemas.microsoft.com/office/drawing/2014/main" id="{EB75BB36-FBF1-8632-5AA2-8121028BDB67}"/>
+                <a16:creationId xmlns:a16="http://schemas.microsoft.com/office/drawing/2014/main" id="{89E3EE77-3506-D8DD-8DCE-D009E27AEF97}"/>
               </a:ext>
             </a:extLst>
           </p:cNvPr>
@@ -1396,7 +1396,7 @@
           <a:bodyPr/>
           <a:lstStyle/>
           <a:p>
-            <a:fld id="{0763E292-17F2-4A4F-B8A7-1007077D10F5}" type="datetimeFigureOut">
+            <a:fld id="{9BA23A50-534A-400C-BF72-1B71BF5FA7D9}" type="datetimeFigureOut">
               <a:rPr lang="zh-CN" altLang="en-US" smtClean="0"/>
               <a:t>2024/3/10</a:t>
             </a:fld>
@@ -1409,7 +1409,7 @@
           <p:cNvPr id="6" name="页脚占位符 5">
             <a:extLst>
               <a:ext uri="{FF2B5EF4-FFF2-40B4-BE49-F238E27FC236}">
-                <a16:creationId xmlns:a16="http://schemas.microsoft.com/office/drawing/2014/main" id="{2D1824DA-4C63-3249-113F-48023051E87A}"/>
+                <a16:creationId xmlns:a16="http://schemas.microsoft.com/office/drawing/2014/main" id="{6B7EB872-FAF7-4697-4117-F065026ACF36}"/>
               </a:ext>
             </a:extLst>
           </p:cNvPr>
@@ -1434,7 +1434,7 @@
           <p:cNvPr id="7" name="灯片编号占位符 6">
             <a:extLst>
               <a:ext uri="{FF2B5EF4-FFF2-40B4-BE49-F238E27FC236}">
-                <a16:creationId xmlns:a16="http://schemas.microsoft.com/office/drawing/2014/main" id="{00D4B5EB-3529-2C7D-2CD5-37C0E45F05EC}"/>
+                <a16:creationId xmlns:a16="http://schemas.microsoft.com/office/drawing/2014/main" id="{9AE0CC7E-F5F0-1262-8D29-09ABE332252B}"/>
               </a:ext>
             </a:extLst>
           </p:cNvPr>
@@ -1450,7 +1450,7 @@
           <a:bodyPr/>
           <a:lstStyle/>
           <a:p>
-            <a:fld id="{D965F210-F0CA-400C-B111-B8808955248E}" type="slidenum">
+            <a:fld id="{5FACD08A-7731-4F86-9835-52203554D672}" type="slidenum">
               <a:rPr lang="zh-CN" altLang="en-US" smtClean="0"/>
               <a:t>‹#›</a:t>
             </a:fld>
@@ -1461,7 +1461,7 @@
     </p:spTree>
     <p:extLst>
       <p:ext uri="{BB962C8B-B14F-4D97-AF65-F5344CB8AC3E}">
-        <p14:creationId xmlns:p14="http://schemas.microsoft.com/office/powerpoint/2010/main" val="1679172353"/>
+        <p14:creationId xmlns:p14="http://schemas.microsoft.com/office/powerpoint/2010/main" val="2263106132"/>
       </p:ext>
     </p:extLst>
   </p:cSld>
@@ -1493,7 +1493,7 @@
           <p:cNvPr id="2" name="标题 1">
             <a:extLst>
               <a:ext uri="{FF2B5EF4-FFF2-40B4-BE49-F238E27FC236}">
-                <a16:creationId xmlns:a16="http://schemas.microsoft.com/office/drawing/2014/main" id="{C77F7856-8F21-F4D1-8D11-5DBFB9399B4B}"/>
+                <a16:creationId xmlns:a16="http://schemas.microsoft.com/office/drawing/2014/main" id="{B74B0814-5D5C-E9EA-9AF5-A07CD1539812}"/>
               </a:ext>
             </a:extLst>
           </p:cNvPr>
@@ -1526,7 +1526,7 @@
           <p:cNvPr id="3" name="文本占位符 2">
             <a:extLst>
               <a:ext uri="{FF2B5EF4-FFF2-40B4-BE49-F238E27FC236}">
-                <a16:creationId xmlns:a16="http://schemas.microsoft.com/office/drawing/2014/main" id="{B02D70FB-EED4-3838-D2DE-158DDEEF6B26}"/>
+                <a16:creationId xmlns:a16="http://schemas.microsoft.com/office/drawing/2014/main" id="{E245C155-1A54-926E-F4E5-068DE7DA19DE}"/>
               </a:ext>
             </a:extLst>
           </p:cNvPr>
@@ -1597,7 +1597,7 @@
           <p:cNvPr id="4" name="内容占位符 3">
             <a:extLst>
               <a:ext uri="{FF2B5EF4-FFF2-40B4-BE49-F238E27FC236}">
-                <a16:creationId xmlns:a16="http://schemas.microsoft.com/office/drawing/2014/main" id="{29AD5BD2-236B-872C-1963-EE51660E006C}"/>
+                <a16:creationId xmlns:a16="http://schemas.microsoft.com/office/drawing/2014/main" id="{49DF697C-4011-9884-B20B-2248502C6B02}"/>
               </a:ext>
             </a:extLst>
           </p:cNvPr>
@@ -1659,7 +1659,7 @@
           <p:cNvPr id="5" name="文本占位符 4">
             <a:extLst>
               <a:ext uri="{FF2B5EF4-FFF2-40B4-BE49-F238E27FC236}">
-                <a16:creationId xmlns:a16="http://schemas.microsoft.com/office/drawing/2014/main" id="{78D309B8-5409-B99A-7E97-1FC900388095}"/>
+                <a16:creationId xmlns:a16="http://schemas.microsoft.com/office/drawing/2014/main" id="{7B0A164D-7867-92E4-1155-0944BEBB5F72}"/>
               </a:ext>
             </a:extLst>
           </p:cNvPr>
@@ -1730,7 +1730,7 @@
           <p:cNvPr id="6" name="内容占位符 5">
             <a:extLst>
               <a:ext uri="{FF2B5EF4-FFF2-40B4-BE49-F238E27FC236}">
-                <a16:creationId xmlns:a16="http://schemas.microsoft.com/office/drawing/2014/main" id="{AA3AAACB-0432-9D63-85C6-B2E544A0FD7F}"/>
+                <a16:creationId xmlns:a16="http://schemas.microsoft.com/office/drawing/2014/main" id="{CD85D3BE-B7BB-4652-E442-A0546DE056D6}"/>
               </a:ext>
             </a:extLst>
           </p:cNvPr>
@@ -1792,7 +1792,7 @@
           <p:cNvPr id="7" name="日期占位符 6">
             <a:extLst>
               <a:ext uri="{FF2B5EF4-FFF2-40B4-BE49-F238E27FC236}">
-                <a16:creationId xmlns:a16="http://schemas.microsoft.com/office/drawing/2014/main" id="{B0E7A41F-8F20-0696-0BDC-D16F7FB8B211}"/>
+                <a16:creationId xmlns:a16="http://schemas.microsoft.com/office/drawing/2014/main" id="{169777CB-4782-3817-0307-DDDED8994A94}"/>
               </a:ext>
             </a:extLst>
           </p:cNvPr>
@@ -1808,7 +1808,7 @@
           <a:bodyPr/>
           <a:lstStyle/>
           <a:p>
-            <a:fld id="{0763E292-17F2-4A4F-B8A7-1007077D10F5}" type="datetimeFigureOut">
+            <a:fld id="{9BA23A50-534A-400C-BF72-1B71BF5FA7D9}" type="datetimeFigureOut">
               <a:rPr lang="zh-CN" altLang="en-US" smtClean="0"/>
               <a:t>2024/3/10</a:t>
             </a:fld>
@@ -1821,7 +1821,7 @@
           <p:cNvPr id="8" name="页脚占位符 7">
             <a:extLst>
               <a:ext uri="{FF2B5EF4-FFF2-40B4-BE49-F238E27FC236}">
-                <a16:creationId xmlns:a16="http://schemas.microsoft.com/office/drawing/2014/main" id="{4F96079D-957C-6A92-83AA-B2BDA0C2B415}"/>
+                <a16:creationId xmlns:a16="http://schemas.microsoft.com/office/drawing/2014/main" id="{0DD6DACB-D8B2-950C-2EF3-FE3687EB3B69}"/>
               </a:ext>
             </a:extLst>
           </p:cNvPr>
@@ -1846,7 +1846,7 @@
           <p:cNvPr id="9" name="灯片编号占位符 8">
             <a:extLst>
               <a:ext uri="{FF2B5EF4-FFF2-40B4-BE49-F238E27FC236}">
-                <a16:creationId xmlns:a16="http://schemas.microsoft.com/office/drawing/2014/main" id="{3D312A3E-D77B-CB86-3235-20F40756AB3F}"/>
+                <a16:creationId xmlns:a16="http://schemas.microsoft.com/office/drawing/2014/main" id="{3FDEBB8C-6050-E3F0-BBBA-A7FBB3265C7D}"/>
               </a:ext>
             </a:extLst>
           </p:cNvPr>
@@ -1862,7 +1862,7 @@
           <a:bodyPr/>
           <a:lstStyle/>
           <a:p>
-            <a:fld id="{D965F210-F0CA-400C-B111-B8808955248E}" type="slidenum">
+            <a:fld id="{5FACD08A-7731-4F86-9835-52203554D672}" type="slidenum">
               <a:rPr lang="zh-CN" altLang="en-US" smtClean="0"/>
               <a:t>‹#›</a:t>
             </a:fld>
@@ -1873,7 +1873,7 @@
     </p:spTree>
     <p:extLst>
       <p:ext uri="{BB962C8B-B14F-4D97-AF65-F5344CB8AC3E}">
-        <p14:creationId xmlns:p14="http://schemas.microsoft.com/office/powerpoint/2010/main" val="1864267219"/>
+        <p14:creationId xmlns:p14="http://schemas.microsoft.com/office/powerpoint/2010/main" val="1273106875"/>
       </p:ext>
     </p:extLst>
   </p:cSld>
@@ -1905,7 +1905,7 @@
           <p:cNvPr id="2" name="标题 1">
             <a:extLst>
               <a:ext uri="{FF2B5EF4-FFF2-40B4-BE49-F238E27FC236}">
-                <a16:creationId xmlns:a16="http://schemas.microsoft.com/office/drawing/2014/main" id="{CF4B8210-77A5-241E-E822-6234AE9188AC}"/>
+                <a16:creationId xmlns:a16="http://schemas.microsoft.com/office/drawing/2014/main" id="{7D48DD9F-EB3A-E7F2-14FA-1E261CC90D1F}"/>
               </a:ext>
             </a:extLst>
           </p:cNvPr>
@@ -1933,7 +1933,7 @@
           <p:cNvPr id="3" name="日期占位符 2">
             <a:extLst>
               <a:ext uri="{FF2B5EF4-FFF2-40B4-BE49-F238E27FC236}">
-                <a16:creationId xmlns:a16="http://schemas.microsoft.com/office/drawing/2014/main" id="{C6CBE6F8-F914-A206-C659-E85210C64AE2}"/>
+                <a16:creationId xmlns:a16="http://schemas.microsoft.com/office/drawing/2014/main" id="{3B359F38-B0F0-7A16-7D92-3E7D856B8521}"/>
               </a:ext>
             </a:extLst>
           </p:cNvPr>
@@ -1949,7 +1949,7 @@
           <a:bodyPr/>
           <a:lstStyle/>
           <a:p>
-            <a:fld id="{0763E292-17F2-4A4F-B8A7-1007077D10F5}" type="datetimeFigureOut">
+            <a:fld id="{9BA23A50-534A-400C-BF72-1B71BF5FA7D9}" type="datetimeFigureOut">
               <a:rPr lang="zh-CN" altLang="en-US" smtClean="0"/>
               <a:t>2024/3/10</a:t>
             </a:fld>
@@ -1962,7 +1962,7 @@
           <p:cNvPr id="4" name="页脚占位符 3">
             <a:extLst>
               <a:ext uri="{FF2B5EF4-FFF2-40B4-BE49-F238E27FC236}">
-                <a16:creationId xmlns:a16="http://schemas.microsoft.com/office/drawing/2014/main" id="{1FE1DC33-AC53-A965-410A-FEFE2B37203C}"/>
+                <a16:creationId xmlns:a16="http://schemas.microsoft.com/office/drawing/2014/main" id="{EC5CBB2E-72B1-16A3-96E1-502A5B6FB5E1}"/>
               </a:ext>
             </a:extLst>
           </p:cNvPr>
@@ -1987,7 +1987,7 @@
           <p:cNvPr id="5" name="灯片编号占位符 4">
             <a:extLst>
               <a:ext uri="{FF2B5EF4-FFF2-40B4-BE49-F238E27FC236}">
-                <a16:creationId xmlns:a16="http://schemas.microsoft.com/office/drawing/2014/main" id="{FBE26D45-385B-2440-87DA-7276D001F399}"/>
+                <a16:creationId xmlns:a16="http://schemas.microsoft.com/office/drawing/2014/main" id="{FB1D9297-5C3B-4E3B-5CC5-71D289899439}"/>
               </a:ext>
             </a:extLst>
           </p:cNvPr>
@@ -2003,7 +2003,7 @@
           <a:bodyPr/>
           <a:lstStyle/>
           <a:p>
-            <a:fld id="{D965F210-F0CA-400C-B111-B8808955248E}" type="slidenum">
+            <a:fld id="{5FACD08A-7731-4F86-9835-52203554D672}" type="slidenum">
               <a:rPr lang="zh-CN" altLang="en-US" smtClean="0"/>
               <a:t>‹#›</a:t>
             </a:fld>
@@ -2014,7 +2014,7 @@
     </p:spTree>
     <p:extLst>
       <p:ext uri="{BB962C8B-B14F-4D97-AF65-F5344CB8AC3E}">
-        <p14:creationId xmlns:p14="http://schemas.microsoft.com/office/powerpoint/2010/main" val="3476694986"/>
+        <p14:creationId xmlns:p14="http://schemas.microsoft.com/office/powerpoint/2010/main" val="2839532334"/>
       </p:ext>
     </p:extLst>
   </p:cSld>
@@ -2046,7 +2046,7 @@
           <p:cNvPr id="2" name="日期占位符 1">
             <a:extLst>
               <a:ext uri="{FF2B5EF4-FFF2-40B4-BE49-F238E27FC236}">
-                <a16:creationId xmlns:a16="http://schemas.microsoft.com/office/drawing/2014/main" id="{9E3DB0FC-F91B-5D35-DCEB-6213BBB8A467}"/>
+                <a16:creationId xmlns:a16="http://schemas.microsoft.com/office/drawing/2014/main" id="{8B938DD4-C2B1-52CE-F9E3-FAAB6DFDA5D9}"/>
               </a:ext>
             </a:extLst>
           </p:cNvPr>
@@ -2062,7 +2062,7 @@
           <a:bodyPr/>
           <a:lstStyle/>
           <a:p>
-            <a:fld id="{0763E292-17F2-4A4F-B8A7-1007077D10F5}" type="datetimeFigureOut">
+            <a:fld id="{9BA23A50-534A-400C-BF72-1B71BF5FA7D9}" type="datetimeFigureOut">
               <a:rPr lang="zh-CN" altLang="en-US" smtClean="0"/>
               <a:t>2024/3/10</a:t>
             </a:fld>
@@ -2075,7 +2075,7 @@
           <p:cNvPr id="3" name="页脚占位符 2">
             <a:extLst>
               <a:ext uri="{FF2B5EF4-FFF2-40B4-BE49-F238E27FC236}">
-                <a16:creationId xmlns:a16="http://schemas.microsoft.com/office/drawing/2014/main" id="{64082E5C-B627-159A-3FB8-18C05BA378EF}"/>
+                <a16:creationId xmlns:a16="http://schemas.microsoft.com/office/drawing/2014/main" id="{26CF8B73-D9DF-1D81-F5FA-D6640BC1D6FF}"/>
               </a:ext>
             </a:extLst>
           </p:cNvPr>
@@ -2100,7 +2100,7 @@
           <p:cNvPr id="4" name="灯片编号占位符 3">
             <a:extLst>
               <a:ext uri="{FF2B5EF4-FFF2-40B4-BE49-F238E27FC236}">
-                <a16:creationId xmlns:a16="http://schemas.microsoft.com/office/drawing/2014/main" id="{4A7C1CEA-5E54-42F2-BC56-C6C609220064}"/>
+                <a16:creationId xmlns:a16="http://schemas.microsoft.com/office/drawing/2014/main" id="{9C738BD9-E1F6-3B84-5BB2-0C1C69114BB3}"/>
               </a:ext>
             </a:extLst>
           </p:cNvPr>
@@ -2116,7 +2116,7 @@
           <a:bodyPr/>
           <a:lstStyle/>
           <a:p>
-            <a:fld id="{D965F210-F0CA-400C-B111-B8808955248E}" type="slidenum">
+            <a:fld id="{5FACD08A-7731-4F86-9835-52203554D672}" type="slidenum">
               <a:rPr lang="zh-CN" altLang="en-US" smtClean="0"/>
               <a:t>‹#›</a:t>
             </a:fld>
@@ -2127,7 +2127,7 @@
     </p:spTree>
     <p:extLst>
       <p:ext uri="{BB962C8B-B14F-4D97-AF65-F5344CB8AC3E}">
-        <p14:creationId xmlns:p14="http://schemas.microsoft.com/office/powerpoint/2010/main" val="1045988187"/>
+        <p14:creationId xmlns:p14="http://schemas.microsoft.com/office/powerpoint/2010/main" val="1696446251"/>
       </p:ext>
     </p:extLst>
   </p:cSld>
@@ -2159,7 +2159,7 @@
           <p:cNvPr id="2" name="标题 1">
             <a:extLst>
               <a:ext uri="{FF2B5EF4-FFF2-40B4-BE49-F238E27FC236}">
-                <a16:creationId xmlns:a16="http://schemas.microsoft.com/office/drawing/2014/main" id="{1436FC02-5BE0-69D9-9F47-5DF7A88FC1A1}"/>
+                <a16:creationId xmlns:a16="http://schemas.microsoft.com/office/drawing/2014/main" id="{1640EC90-A4D1-FF6F-F6D4-A36E67141FDA}"/>
               </a:ext>
             </a:extLst>
           </p:cNvPr>
@@ -2196,7 +2196,7 @@
           <p:cNvPr id="3" name="内容占位符 2">
             <a:extLst>
               <a:ext uri="{FF2B5EF4-FFF2-40B4-BE49-F238E27FC236}">
-                <a16:creationId xmlns:a16="http://schemas.microsoft.com/office/drawing/2014/main" id="{BC0F58F2-6570-26D2-C6F6-96C447BCF1B8}"/>
+                <a16:creationId xmlns:a16="http://schemas.microsoft.com/office/drawing/2014/main" id="{A7F72933-7F4B-E35B-ED6A-F697D24480D2}"/>
               </a:ext>
             </a:extLst>
           </p:cNvPr>
@@ -2286,7 +2286,7 @@
           <p:cNvPr id="4" name="文本占位符 3">
             <a:extLst>
               <a:ext uri="{FF2B5EF4-FFF2-40B4-BE49-F238E27FC236}">
-                <a16:creationId xmlns:a16="http://schemas.microsoft.com/office/drawing/2014/main" id="{5AF8521C-A541-8C58-FD73-0A14C097B8F6}"/>
+                <a16:creationId xmlns:a16="http://schemas.microsoft.com/office/drawing/2014/main" id="{380D8B48-3EA6-27B1-4FF1-CDF478309CBC}"/>
               </a:ext>
             </a:extLst>
           </p:cNvPr>
@@ -2357,7 +2357,7 @@
           <p:cNvPr id="5" name="日期占位符 4">
             <a:extLst>
               <a:ext uri="{FF2B5EF4-FFF2-40B4-BE49-F238E27FC236}">
-                <a16:creationId xmlns:a16="http://schemas.microsoft.com/office/drawing/2014/main" id="{96206E3C-2CE3-06EE-E778-6072199C7BEC}"/>
+                <a16:creationId xmlns:a16="http://schemas.microsoft.com/office/drawing/2014/main" id="{F943AC85-7DE7-2E03-BEA6-5488C973389A}"/>
               </a:ext>
             </a:extLst>
           </p:cNvPr>
@@ -2373,7 +2373,7 @@
           <a:bodyPr/>
           <a:lstStyle/>
           <a:p>
-            <a:fld id="{0763E292-17F2-4A4F-B8A7-1007077D10F5}" type="datetimeFigureOut">
+            <a:fld id="{9BA23A50-534A-400C-BF72-1B71BF5FA7D9}" type="datetimeFigureOut">
               <a:rPr lang="zh-CN" altLang="en-US" smtClean="0"/>
               <a:t>2024/3/10</a:t>
             </a:fld>
@@ -2386,7 +2386,7 @@
           <p:cNvPr id="6" name="页脚占位符 5">
             <a:extLst>
               <a:ext uri="{FF2B5EF4-FFF2-40B4-BE49-F238E27FC236}">
-                <a16:creationId xmlns:a16="http://schemas.microsoft.com/office/drawing/2014/main" id="{09EEA760-BD78-C342-2C30-D4D43111BE70}"/>
+                <a16:creationId xmlns:a16="http://schemas.microsoft.com/office/drawing/2014/main" id="{B8404C7A-C566-E722-E106-B6F975183A8B}"/>
               </a:ext>
             </a:extLst>
           </p:cNvPr>
@@ -2411,7 +2411,7 @@
           <p:cNvPr id="7" name="灯片编号占位符 6">
             <a:extLst>
               <a:ext uri="{FF2B5EF4-FFF2-40B4-BE49-F238E27FC236}">
-                <a16:creationId xmlns:a16="http://schemas.microsoft.com/office/drawing/2014/main" id="{5364CF73-F7BB-8F59-1708-D55E7F3D86BD}"/>
+                <a16:creationId xmlns:a16="http://schemas.microsoft.com/office/drawing/2014/main" id="{77EBEBC2-2586-F08A-E36B-B20433386766}"/>
               </a:ext>
             </a:extLst>
           </p:cNvPr>
@@ -2427,7 +2427,7 @@
           <a:bodyPr/>
           <a:lstStyle/>
           <a:p>
-            <a:fld id="{D965F210-F0CA-400C-B111-B8808955248E}" type="slidenum">
+            <a:fld id="{5FACD08A-7731-4F86-9835-52203554D672}" type="slidenum">
               <a:rPr lang="zh-CN" altLang="en-US" smtClean="0"/>
               <a:t>‹#›</a:t>
             </a:fld>
@@ -2438,7 +2438,7 @@
     </p:spTree>
     <p:extLst>
       <p:ext uri="{BB962C8B-B14F-4D97-AF65-F5344CB8AC3E}">
-        <p14:creationId xmlns:p14="http://schemas.microsoft.com/office/powerpoint/2010/main" val="692988255"/>
+        <p14:creationId xmlns:p14="http://schemas.microsoft.com/office/powerpoint/2010/main" val="2561253694"/>
       </p:ext>
     </p:extLst>
   </p:cSld>
@@ -2470,7 +2470,7 @@
           <p:cNvPr id="2" name="标题 1">
             <a:extLst>
               <a:ext uri="{FF2B5EF4-FFF2-40B4-BE49-F238E27FC236}">
-                <a16:creationId xmlns:a16="http://schemas.microsoft.com/office/drawing/2014/main" id="{297D8807-6B70-0C37-8DA2-10560DDDC3B4}"/>
+                <a16:creationId xmlns:a16="http://schemas.microsoft.com/office/drawing/2014/main" id="{EE45C63B-08B5-C2FB-637A-12BE273DA2E9}"/>
               </a:ext>
             </a:extLst>
           </p:cNvPr>
@@ -2507,7 +2507,7 @@
           <p:cNvPr id="3" name="图片占位符 2">
             <a:extLst>
               <a:ext uri="{FF2B5EF4-FFF2-40B4-BE49-F238E27FC236}">
-                <a16:creationId xmlns:a16="http://schemas.microsoft.com/office/drawing/2014/main" id="{A097650E-9AED-BA3A-0D5C-65103BC381AA}"/>
+                <a16:creationId xmlns:a16="http://schemas.microsoft.com/office/drawing/2014/main" id="{31F4A227-C876-0636-E6C2-60C5D0B35AC5}"/>
               </a:ext>
             </a:extLst>
           </p:cNvPr>
@@ -2574,7 +2574,7 @@
           <p:cNvPr id="4" name="文本占位符 3">
             <a:extLst>
               <a:ext uri="{FF2B5EF4-FFF2-40B4-BE49-F238E27FC236}">
-                <a16:creationId xmlns:a16="http://schemas.microsoft.com/office/drawing/2014/main" id="{FA0FEC84-FF50-B008-81A2-6CC8130DC2CA}"/>
+                <a16:creationId xmlns:a16="http://schemas.microsoft.com/office/drawing/2014/main" id="{63A5A09B-B939-213A-D038-5D64BEB2DF94}"/>
               </a:ext>
             </a:extLst>
           </p:cNvPr>
@@ -2645,7 +2645,7 @@
           <p:cNvPr id="5" name="日期占位符 4">
             <a:extLst>
               <a:ext uri="{FF2B5EF4-FFF2-40B4-BE49-F238E27FC236}">
-                <a16:creationId xmlns:a16="http://schemas.microsoft.com/office/drawing/2014/main" id="{CC491E91-5D9C-2B29-2705-27F3107405B1}"/>
+                <a16:creationId xmlns:a16="http://schemas.microsoft.com/office/drawing/2014/main" id="{0A99FF05-617B-39AF-465E-7A2009026675}"/>
               </a:ext>
             </a:extLst>
           </p:cNvPr>
@@ -2661,7 +2661,7 @@
           <a:bodyPr/>
           <a:lstStyle/>
           <a:p>
-            <a:fld id="{0763E292-17F2-4A4F-B8A7-1007077D10F5}" type="datetimeFigureOut">
+            <a:fld id="{9BA23A50-534A-400C-BF72-1B71BF5FA7D9}" type="datetimeFigureOut">
               <a:rPr lang="zh-CN" altLang="en-US" smtClean="0"/>
               <a:t>2024/3/10</a:t>
             </a:fld>
@@ -2674,7 +2674,7 @@
           <p:cNvPr id="6" name="页脚占位符 5">
             <a:extLst>
               <a:ext uri="{FF2B5EF4-FFF2-40B4-BE49-F238E27FC236}">
-                <a16:creationId xmlns:a16="http://schemas.microsoft.com/office/drawing/2014/main" id="{1EE824A1-92E4-7ABF-917A-76AF43541F11}"/>
+                <a16:creationId xmlns:a16="http://schemas.microsoft.com/office/drawing/2014/main" id="{3B675CBF-C642-0625-85B3-5AD1B29CDDDE}"/>
               </a:ext>
             </a:extLst>
           </p:cNvPr>
@@ -2699,7 +2699,7 @@
           <p:cNvPr id="7" name="灯片编号占位符 6">
             <a:extLst>
               <a:ext uri="{FF2B5EF4-FFF2-40B4-BE49-F238E27FC236}">
-                <a16:creationId xmlns:a16="http://schemas.microsoft.com/office/drawing/2014/main" id="{C310D668-EECF-68B7-78D9-64500958CCB4}"/>
+                <a16:creationId xmlns:a16="http://schemas.microsoft.com/office/drawing/2014/main" id="{4C2EF6FA-1B24-F5FA-9D95-4E4613FE4A3F}"/>
               </a:ext>
             </a:extLst>
           </p:cNvPr>
@@ -2715,7 +2715,7 @@
           <a:bodyPr/>
           <a:lstStyle/>
           <a:p>
-            <a:fld id="{D965F210-F0CA-400C-B111-B8808955248E}" type="slidenum">
+            <a:fld id="{5FACD08A-7731-4F86-9835-52203554D672}" type="slidenum">
               <a:rPr lang="zh-CN" altLang="en-US" smtClean="0"/>
               <a:t>‹#›</a:t>
             </a:fld>
@@ -2726,7 +2726,7 @@
     </p:spTree>
     <p:extLst>
       <p:ext uri="{BB962C8B-B14F-4D97-AF65-F5344CB8AC3E}">
-        <p14:creationId xmlns:p14="http://schemas.microsoft.com/office/powerpoint/2010/main" val="1251572183"/>
+        <p14:creationId xmlns:p14="http://schemas.microsoft.com/office/powerpoint/2010/main" val="41296419"/>
       </p:ext>
     </p:extLst>
   </p:cSld>
@@ -2763,7 +2763,7 @@
           <p:cNvPr id="2" name="标题占位符 1">
             <a:extLst>
               <a:ext uri="{FF2B5EF4-FFF2-40B4-BE49-F238E27FC236}">
-                <a16:creationId xmlns:a16="http://schemas.microsoft.com/office/drawing/2014/main" id="{DF196DDE-6020-6CF8-A60C-8D0AEB34CFBC}"/>
+                <a16:creationId xmlns:a16="http://schemas.microsoft.com/office/drawing/2014/main" id="{611E620C-4130-506E-6CB7-36AE608C5FB7}"/>
               </a:ext>
             </a:extLst>
           </p:cNvPr>
@@ -2801,7 +2801,7 @@
           <p:cNvPr id="3" name="文本占位符 2">
             <a:extLst>
               <a:ext uri="{FF2B5EF4-FFF2-40B4-BE49-F238E27FC236}">
-                <a16:creationId xmlns:a16="http://schemas.microsoft.com/office/drawing/2014/main" id="{8D9FEB1B-0E2F-1C61-1117-C5E66F94575E}"/>
+                <a16:creationId xmlns:a16="http://schemas.microsoft.com/office/drawing/2014/main" id="{DF3EC922-7592-38F9-BEEF-DB0BA99932A9}"/>
               </a:ext>
             </a:extLst>
           </p:cNvPr>
@@ -2868,7 +2868,7 @@
           <p:cNvPr id="4" name="日期占位符 3">
             <a:extLst>
               <a:ext uri="{FF2B5EF4-FFF2-40B4-BE49-F238E27FC236}">
-                <a16:creationId xmlns:a16="http://schemas.microsoft.com/office/drawing/2014/main" id="{8DA5C690-69CC-436F-318E-418100470D92}"/>
+                <a16:creationId xmlns:a16="http://schemas.microsoft.com/office/drawing/2014/main" id="{ACE21D89-6C5C-AEE1-D9C2-B89ADA56BCB0}"/>
               </a:ext>
             </a:extLst>
           </p:cNvPr>
@@ -2902,7 +2902,7 @@
             </a:lvl1pPr>
           </a:lstStyle>
           <a:p>
-            <a:fld id="{0763E292-17F2-4A4F-B8A7-1007077D10F5}" type="datetimeFigureOut">
+            <a:fld id="{9BA23A50-534A-400C-BF72-1B71BF5FA7D9}" type="datetimeFigureOut">
               <a:rPr lang="zh-CN" altLang="en-US" smtClean="0"/>
               <a:t>2024/3/10</a:t>
             </a:fld>
@@ -2915,7 +2915,7 @@
           <p:cNvPr id="5" name="页脚占位符 4">
             <a:extLst>
               <a:ext uri="{FF2B5EF4-FFF2-40B4-BE49-F238E27FC236}">
-                <a16:creationId xmlns:a16="http://schemas.microsoft.com/office/drawing/2014/main" id="{E273B2C0-B44F-8101-2B49-7EDE144C7A51}"/>
+                <a16:creationId xmlns:a16="http://schemas.microsoft.com/office/drawing/2014/main" id="{173F8E49-7B3E-9A0E-2DA6-B184EEA22FFD}"/>
               </a:ext>
             </a:extLst>
           </p:cNvPr>
@@ -2958,7 +2958,7 @@
           <p:cNvPr id="6" name="灯片编号占位符 5">
             <a:extLst>
               <a:ext uri="{FF2B5EF4-FFF2-40B4-BE49-F238E27FC236}">
-                <a16:creationId xmlns:a16="http://schemas.microsoft.com/office/drawing/2014/main" id="{87AD9A10-F4B5-EEE2-8081-A34DE61A6649}"/>
+                <a16:creationId xmlns:a16="http://schemas.microsoft.com/office/drawing/2014/main" id="{B9BA4A45-FA4C-C57C-72FD-6FD0100E7C78}"/>
               </a:ext>
             </a:extLst>
           </p:cNvPr>
@@ -2992,7 +2992,7 @@
             </a:lvl1pPr>
           </a:lstStyle>
           <a:p>
-            <a:fld id="{D965F210-F0CA-400C-B111-B8808955248E}" type="slidenum">
+            <a:fld id="{5FACD08A-7731-4F86-9835-52203554D672}" type="slidenum">
               <a:rPr lang="zh-CN" altLang="en-US" smtClean="0"/>
               <a:t>‹#›</a:t>
             </a:fld>
@@ -3003,7 +3003,7 @@
     </p:spTree>
     <p:extLst>
       <p:ext uri="{BB962C8B-B14F-4D97-AF65-F5344CB8AC3E}">
-        <p14:creationId xmlns:p14="http://schemas.microsoft.com/office/powerpoint/2010/main" val="1483658580"/>
+        <p14:creationId xmlns:p14="http://schemas.microsoft.com/office/powerpoint/2010/main" val="3600255305"/>
       </p:ext>
     </p:extLst>
   </p:cSld>
